--- a/L11-delaunay_triangulation.pptx
+++ b/L11-delaunay_triangulation.pptx
@@ -229,7 +229,7 @@
           <a:p>
             <a:fld id="{C787A165-4FDD-49E5-9F6D-D505BB88ABC6}" type="datetimeFigureOut">
               <a:rPr lang="en-US" smtClean="0"/>
-              <a:t>10/28/18</a:t>
+              <a:t>11/12/19</a:t>
             </a:fld>
             <a:endParaRPr lang="en-US"/>
           </a:p>
@@ -395,7 +395,7 @@
           <a:p>
             <a:fld id="{5D612DD9-5214-4F09-A917-0755DC49A4D5}" type="datetimeFigureOut">
               <a:rPr lang="en-US" smtClean="0"/>
-              <a:t>10/28/18</a:t>
+              <a:t>11/12/19</a:t>
             </a:fld>
             <a:endParaRPr lang="en-US"/>
           </a:p>
@@ -1076,7 +1076,7 @@
           </a:ln>
           <a:extLst>
             <a:ext uri="{909E8E84-426E-40dd-AFC4-6F175D3DCCD1}">
-              <a14:hiddenFill xmlns:a14="http://schemas.microsoft.com/office/drawing/2010/main" xmlns="">
+              <a14:hiddenFill xmlns="" xmlns:a14="http://schemas.microsoft.com/office/drawing/2010/main">
                 <a:solidFill>
                   <a:srgbClr val="FFFFFF"/>
                 </a:solidFill>
@@ -1122,7 +1122,7 @@
           </a:ln>
           <a:extLst>
             <a:ext uri="{909E8E84-426E-40dd-AFC4-6F175D3DCCD1}">
-              <a14:hiddenFill xmlns:a14="http://schemas.microsoft.com/office/drawing/2010/main" xmlns="">
+              <a14:hiddenFill xmlns="" xmlns:a14="http://schemas.microsoft.com/office/drawing/2010/main">
                 <a:solidFill>
                   <a:srgbClr val="FFFFFF"/>
                 </a:solidFill>
@@ -1168,7 +1168,7 @@
           </a:ln>
           <a:extLst>
             <a:ext uri="{909E8E84-426E-40dd-AFC4-6F175D3DCCD1}">
-              <a14:hiddenFill xmlns:a14="http://schemas.microsoft.com/office/drawing/2010/main" xmlns="">
+              <a14:hiddenFill xmlns="" xmlns:a14="http://schemas.microsoft.com/office/drawing/2010/main">
                 <a:solidFill>
                   <a:srgbClr val="FFFFFF"/>
                 </a:solidFill>
@@ -1212,7 +1212,7 @@
           </a:ln>
           <a:extLst>
             <a:ext uri="{909E8E84-426E-40dd-AFC4-6F175D3DCCD1}">
-              <a14:hiddenFill xmlns:a14="http://schemas.microsoft.com/office/drawing/2010/main" xmlns="">
+              <a14:hiddenFill xmlns="" xmlns:a14="http://schemas.microsoft.com/office/drawing/2010/main">
                 <a:solidFill>
                   <a:srgbClr val="FFFFFF"/>
                 </a:solidFill>
@@ -1258,7 +1258,7 @@
           </a:ln>
           <a:extLst>
             <a:ext uri="{909E8E84-426E-40dd-AFC4-6F175D3DCCD1}">
-              <a14:hiddenFill xmlns:a14="http://schemas.microsoft.com/office/drawing/2010/main" xmlns="">
+              <a14:hiddenFill xmlns="" xmlns:a14="http://schemas.microsoft.com/office/drawing/2010/main">
                 <a:solidFill>
                   <a:srgbClr val="FFFFFF"/>
                 </a:solidFill>
@@ -1304,7 +1304,7 @@
           </a:ln>
           <a:extLst>
             <a:ext uri="{909E8E84-426E-40dd-AFC4-6F175D3DCCD1}">
-              <a14:hiddenFill xmlns:a14="http://schemas.microsoft.com/office/drawing/2010/main" xmlns="">
+              <a14:hiddenFill xmlns="" xmlns:a14="http://schemas.microsoft.com/office/drawing/2010/main">
                 <a:solidFill>
                   <a:srgbClr val="FFFFFF"/>
                 </a:solidFill>
@@ -4945,7 +4945,7 @@
           </a:ln>
           <a:extLst>
             <a:ext uri="{909E8E84-426E-40dd-AFC4-6F175D3DCCD1}">
-              <a14:hiddenFill xmlns:a14="http://schemas.microsoft.com/office/drawing/2010/main" xmlns="">
+              <a14:hiddenFill xmlns="" xmlns:a14="http://schemas.microsoft.com/office/drawing/2010/main">
                 <a:solidFill>
                   <a:srgbClr val="FFFFFF"/>
                 </a:solidFill>
@@ -4991,7 +4991,7 @@
           </a:ln>
           <a:extLst>
             <a:ext uri="{909E8E84-426E-40dd-AFC4-6F175D3DCCD1}">
-              <a14:hiddenFill xmlns:a14="http://schemas.microsoft.com/office/drawing/2010/main" xmlns="">
+              <a14:hiddenFill xmlns="" xmlns:a14="http://schemas.microsoft.com/office/drawing/2010/main">
                 <a:solidFill>
                   <a:srgbClr val="FFFFFF"/>
                 </a:solidFill>
@@ -5037,7 +5037,7 @@
           </a:ln>
           <a:extLst>
             <a:ext uri="{909E8E84-426E-40dd-AFC4-6F175D3DCCD1}">
-              <a14:hiddenFill xmlns:a14="http://schemas.microsoft.com/office/drawing/2010/main" xmlns="">
+              <a14:hiddenFill xmlns="" xmlns:a14="http://schemas.microsoft.com/office/drawing/2010/main">
                 <a:solidFill>
                   <a:srgbClr val="FFFFFF"/>
                 </a:solidFill>
@@ -5081,7 +5081,7 @@
           </a:ln>
           <a:extLst>
             <a:ext uri="{909E8E84-426E-40dd-AFC4-6F175D3DCCD1}">
-              <a14:hiddenFill xmlns:a14="http://schemas.microsoft.com/office/drawing/2010/main" xmlns="">
+              <a14:hiddenFill xmlns="" xmlns:a14="http://schemas.microsoft.com/office/drawing/2010/main">
                 <a:solidFill>
                   <a:srgbClr val="FFFFFF"/>
                 </a:solidFill>
@@ -5127,7 +5127,7 @@
           </a:ln>
           <a:extLst>
             <a:ext uri="{909E8E84-426E-40dd-AFC4-6F175D3DCCD1}">
-              <a14:hiddenFill xmlns:a14="http://schemas.microsoft.com/office/drawing/2010/main" xmlns="">
+              <a14:hiddenFill xmlns="" xmlns:a14="http://schemas.microsoft.com/office/drawing/2010/main">
                 <a:solidFill>
                   <a:srgbClr val="FFFFFF"/>
                 </a:solidFill>
@@ -5173,7 +5173,7 @@
           </a:ln>
           <a:extLst>
             <a:ext uri="{909E8E84-426E-40dd-AFC4-6F175D3DCCD1}">
-              <a14:hiddenFill xmlns:a14="http://schemas.microsoft.com/office/drawing/2010/main" xmlns="">
+              <a14:hiddenFill xmlns="" xmlns:a14="http://schemas.microsoft.com/office/drawing/2010/main">
                 <a:solidFill>
                   <a:srgbClr val="FFFFFF"/>
                 </a:solidFill>
@@ -7365,7 +7365,7 @@
           <a:p>
             <a:fld id="{6E39BF48-6E0A-4E37-BB05-8DF70571673D}" type="datetimeFigureOut">
               <a:rPr lang="en-US" smtClean="0"/>
-              <a:t>10/28/18</a:t>
+              <a:t>11/12/19</a:t>
             </a:fld>
             <a:endParaRPr lang="en-US"/>
           </a:p>
@@ -12132,81 +12132,6 @@
           <a:chExt cx="0" cy="0"/>
         </a:xfrm>
       </p:grpSpPr>
-      <p:sp>
-        <p:nvSpPr>
-          <p:cNvPr id="2" name="Content Placeholder 1">
-            <a:extLst>
-              <a:ext uri="{FF2B5EF4-FFF2-40B4-BE49-F238E27FC236}">
-                <a16:creationId xmlns:a16="http://schemas.microsoft.com/office/drawing/2014/main" id="{76BB87EB-E29A-414E-8E86-EE81A7092291}"/>
-              </a:ext>
-            </a:extLst>
-          </p:cNvPr>
-          <p:cNvSpPr>
-            <a:spLocks noGrp="1"/>
-          </p:cNvSpPr>
-          <p:nvPr>
-            <p:ph sz="half" idx="1"/>
-          </p:nvPr>
-        </p:nvSpPr>
-        <p:spPr/>
-        <p:txBody>
-          <a:bodyPr/>
-          <a:lstStyle/>
-          <a:p>
-            <a:endParaRPr lang="en-US"/>
-          </a:p>
-        </p:txBody>
-      </p:sp>
-      <p:sp>
-        <p:nvSpPr>
-          <p:cNvPr id="3" name="Content Placeholder 2">
-            <a:extLst>
-              <a:ext uri="{FF2B5EF4-FFF2-40B4-BE49-F238E27FC236}">
-                <a16:creationId xmlns:a16="http://schemas.microsoft.com/office/drawing/2014/main" id="{3077A7C0-8F91-1E41-B1D6-29E6FC9929F1}"/>
-              </a:ext>
-            </a:extLst>
-          </p:cNvPr>
-          <p:cNvSpPr>
-            <a:spLocks noGrp="1"/>
-          </p:cNvSpPr>
-          <p:nvPr>
-            <p:ph sz="half" idx="10"/>
-          </p:nvPr>
-        </p:nvSpPr>
-        <p:spPr/>
-        <p:txBody>
-          <a:bodyPr/>
-          <a:lstStyle/>
-          <a:p>
-            <a:endParaRPr lang="en-US"/>
-          </a:p>
-        </p:txBody>
-      </p:sp>
-      <p:sp>
-        <p:nvSpPr>
-          <p:cNvPr id="4" name="Content Placeholder 3">
-            <a:extLst>
-              <a:ext uri="{FF2B5EF4-FFF2-40B4-BE49-F238E27FC236}">
-                <a16:creationId xmlns:a16="http://schemas.microsoft.com/office/drawing/2014/main" id="{B01D80C1-0581-944D-8CFF-F46F6555B96D}"/>
-              </a:ext>
-            </a:extLst>
-          </p:cNvPr>
-          <p:cNvSpPr>
-            <a:spLocks noGrp="1"/>
-          </p:cNvSpPr>
-          <p:nvPr>
-            <p:ph sz="half" idx="11"/>
-          </p:nvPr>
-        </p:nvSpPr>
-        <p:spPr/>
-        <p:txBody>
-          <a:bodyPr/>
-          <a:lstStyle/>
-          <a:p>
-            <a:endParaRPr lang="en-US"/>
-          </a:p>
-        </p:txBody>
-      </p:sp>
     </p:spTree>
     <p:extLst>
       <p:ext uri="{BB962C8B-B14F-4D97-AF65-F5344CB8AC3E}">
@@ -13452,8 +13377,8 @@
           <a:chExt cx="0" cy="0"/>
         </a:xfrm>
       </p:grpSpPr>
-      <mc:AlternateContent xmlns:mc="http://schemas.openxmlformats.org/markup-compatibility/2006" xmlns:a14="http://schemas.microsoft.com/office/drawing/2010/main">
-        <mc:Choice Requires="a14">
+      <mc:AlternateContent xmlns:mc="http://schemas.openxmlformats.org/markup-compatibility/2006">
+        <mc:Choice xmlns:a14="http://schemas.microsoft.com/office/drawing/2010/main" Requires="a14">
           <p:sp>
             <p:nvSpPr>
               <p:cNvPr id="24579" name="Content Placeholder 2"/>
@@ -13471,7 +13396,7 @@
               <a:p>
                 <a:r>
                   <a:rPr lang="en-US" altLang="en-US" dirty="0"/>
-                  <a:t>The planar Voronoi diagram and the Delaunay triangulation  are duals in a graph theoretical sense </a:t>
+                  <a:t>The planar Voronoi diagram and the Delaunay triangulation are duals in a graph theoretical sense </a:t>
                 </a:r>
               </a:p>
               <a:p>
@@ -13539,7 +13464,7 @@
             </p:txBody>
           </p:sp>
         </mc:Choice>
-        <mc:Fallback xmlns="">
+        <mc:Fallback>
           <p:sp>
             <p:nvSpPr>
               <p:cNvPr id="24579" name="Content Placeholder 2"/>
